--- a/Doc/设计文档.pptx
+++ b/Doc/设计文档.pptx
@@ -6,6 +6,7 @@
   </p:sldMasterIdLst>
   <p:sldIdLst>
     <p:sldId id="256" r:id="rId2"/>
+    <p:sldId id="257" r:id="rId3"/>
   </p:sldIdLst>
   <p:sldSz cx="12192000" cy="6858000"/>
   <p:notesSz cx="6858000" cy="9144000"/>
@@ -3449,7 +3450,7 @@
         </p:nvSpPr>
         <p:spPr>
           <a:xfrm>
-            <a:off x="9378" y="21101"/>
+            <a:off x="-1" y="-14066"/>
             <a:ext cx="12192000" cy="6858000"/>
           </a:xfrm>
           <a:prstGeom prst="rect">
@@ -3499,28 +3500,29 @@
         </p:nvSpPr>
         <p:spPr>
           <a:xfrm>
-            <a:off x="3854548" y="182880"/>
+            <a:off x="3854548" y="56269"/>
             <a:ext cx="4501661" cy="633046"/>
           </a:xfrm>
           <a:prstGeom prst="roundRect">
             <a:avLst/>
           </a:prstGeom>
           <a:noFill/>
+          <a:ln>
+            <a:noFill/>
+          </a:ln>
         </p:spPr>
         <p:style>
-          <a:lnRef idx="2">
-            <a:schemeClr val="accent1">
-              <a:shade val="50000"/>
-            </a:schemeClr>
+          <a:lnRef idx="0">
+            <a:scrgbClr r="0" g="0" b="0"/>
           </a:lnRef>
-          <a:fillRef idx="1">
-            <a:schemeClr val="accent1"/>
+          <a:fillRef idx="0">
+            <a:scrgbClr r="0" g="0" b="0"/>
           </a:fillRef>
           <a:effectRef idx="0">
-            <a:schemeClr val="accent1"/>
+            <a:scrgbClr r="0" g="0" b="0"/>
           </a:effectRef>
           <a:fontRef idx="minor">
-            <a:schemeClr val="lt1"/>
+            <a:schemeClr val="accent2"/>
           </a:fontRef>
         </p:style>
         <p:txBody>
@@ -3818,7 +3820,7 @@
             <a:pPr algn="ctr"/>
             <a:r>
               <a:rPr lang="zh-CN" altLang="en-US" sz="1600" dirty="0"/>
-              <a:t>设置标注经纬度值</a:t>
+              <a:t>设置标注经纬度</a:t>
             </a:r>
           </a:p>
         </p:txBody>
@@ -3916,7 +3918,7 @@
             <a:pPr algn="ctr"/>
             <a:r>
               <a:rPr lang="zh-CN" altLang="en-US" sz="1600" dirty="0"/>
-              <a:t>经度值：</a:t>
+              <a:t>经度：</a:t>
             </a:r>
           </a:p>
         </p:txBody>
@@ -3965,7 +3967,7 @@
             <a:pPr algn="ctr"/>
             <a:r>
               <a:rPr lang="zh-CN" altLang="en-US" sz="1600" dirty="0"/>
-              <a:t>纬度值：</a:t>
+              <a:t>纬度：</a:t>
             </a:r>
           </a:p>
         </p:txBody>
@@ -4066,10 +4068,203 @@
           </a:p>
         </p:txBody>
       </p:sp>
+      <p:sp>
+        <p:nvSpPr>
+          <p:cNvPr id="20" name="矩形: 圆角 19">
+            <a:extLst>
+              <a:ext uri="{FF2B5EF4-FFF2-40B4-BE49-F238E27FC236}">
+                <a16:creationId xmlns:a16="http://schemas.microsoft.com/office/drawing/2014/main" id="{829A6705-64BE-4C5C-9719-C7A3BABB546B}"/>
+              </a:ext>
+            </a:extLst>
+          </p:cNvPr>
+          <p:cNvSpPr/>
+          <p:nvPr/>
+        </p:nvSpPr>
+        <p:spPr>
+          <a:xfrm>
+            <a:off x="44546" y="567004"/>
+            <a:ext cx="1280159" cy="531056"/>
+          </a:xfrm>
+          <a:prstGeom prst="roundRect">
+            <a:avLst/>
+          </a:prstGeom>
+          <a:noFill/>
+        </p:spPr>
+        <p:style>
+          <a:lnRef idx="2">
+            <a:schemeClr val="accent1">
+              <a:shade val="50000"/>
+            </a:schemeClr>
+          </a:lnRef>
+          <a:fillRef idx="1">
+            <a:schemeClr val="accent1"/>
+          </a:fillRef>
+          <a:effectRef idx="0">
+            <a:schemeClr val="accent1"/>
+          </a:effectRef>
+          <a:fontRef idx="minor">
+            <a:schemeClr val="lt1"/>
+          </a:fontRef>
+        </p:style>
+        <p:txBody>
+          <a:bodyPr rtlCol="0" anchor="ctr"/>
+          <a:lstStyle/>
+          <a:p>
+            <a:pPr algn="ctr"/>
+            <a:r>
+              <a:rPr lang="zh-CN" altLang="en-US" b="1" dirty="0">
+                <a:latin typeface="微软雅黑" panose="020B0503020204020204" pitchFamily="34" charset="-122"/>
+                <a:ea typeface="微软雅黑" panose="020B0503020204020204" pitchFamily="34" charset="-122"/>
+              </a:rPr>
+              <a:t>单个坐标</a:t>
+            </a:r>
+          </a:p>
+        </p:txBody>
+      </p:sp>
+      <p:sp>
+        <p:nvSpPr>
+          <p:cNvPr id="24" name="矩形: 圆角 23">
+            <a:extLst>
+              <a:ext uri="{FF2B5EF4-FFF2-40B4-BE49-F238E27FC236}">
+                <a16:creationId xmlns:a16="http://schemas.microsoft.com/office/drawing/2014/main" id="{6A09D6BC-1186-4BA5-8FB1-24CFDB105180}"/>
+              </a:ext>
+            </a:extLst>
+          </p:cNvPr>
+          <p:cNvSpPr/>
+          <p:nvPr/>
+        </p:nvSpPr>
+        <p:spPr>
+          <a:xfrm>
+            <a:off x="1385666" y="578923"/>
+            <a:ext cx="1280159" cy="531056"/>
+          </a:xfrm>
+          <a:prstGeom prst="roundRect">
+            <a:avLst/>
+          </a:prstGeom>
+          <a:noFill/>
+        </p:spPr>
+        <p:style>
+          <a:lnRef idx="2">
+            <a:schemeClr val="accent1">
+              <a:shade val="50000"/>
+            </a:schemeClr>
+          </a:lnRef>
+          <a:fillRef idx="1">
+            <a:schemeClr val="accent1"/>
+          </a:fillRef>
+          <a:effectRef idx="0">
+            <a:schemeClr val="accent1"/>
+          </a:effectRef>
+          <a:fontRef idx="minor">
+            <a:schemeClr val="lt1"/>
+          </a:fontRef>
+        </p:style>
+        <p:txBody>
+          <a:bodyPr rtlCol="0" anchor="ctr"/>
+          <a:lstStyle/>
+          <a:p>
+            <a:pPr algn="ctr"/>
+            <a:r>
+              <a:rPr lang="zh-CN" altLang="en-US" b="1" dirty="0">
+                <a:latin typeface="微软雅黑" panose="020B0503020204020204" pitchFamily="34" charset="-122"/>
+                <a:ea typeface="微软雅黑" panose="020B0503020204020204" pitchFamily="34" charset="-122"/>
+              </a:rPr>
+              <a:t>多个坐标</a:t>
+            </a:r>
+          </a:p>
+        </p:txBody>
+      </p:sp>
+      <p:sp>
+        <p:nvSpPr>
+          <p:cNvPr id="25" name="矩形: 圆角 24">
+            <a:extLst>
+              <a:ext uri="{FF2B5EF4-FFF2-40B4-BE49-F238E27FC236}">
+                <a16:creationId xmlns:a16="http://schemas.microsoft.com/office/drawing/2014/main" id="{1E783DB3-5486-4BA0-B91E-CF120B16F578}"/>
+              </a:ext>
+            </a:extLst>
+          </p:cNvPr>
+          <p:cNvSpPr/>
+          <p:nvPr/>
+        </p:nvSpPr>
+        <p:spPr>
+          <a:xfrm>
+            <a:off x="2719752" y="578923"/>
+            <a:ext cx="1280159" cy="531056"/>
+          </a:xfrm>
+          <a:prstGeom prst="roundRect">
+            <a:avLst/>
+          </a:prstGeom>
+          <a:noFill/>
+        </p:spPr>
+        <p:style>
+          <a:lnRef idx="2">
+            <a:schemeClr val="accent1">
+              <a:shade val="50000"/>
+            </a:schemeClr>
+          </a:lnRef>
+          <a:fillRef idx="1">
+            <a:schemeClr val="accent1"/>
+          </a:fillRef>
+          <a:effectRef idx="0">
+            <a:schemeClr val="accent1"/>
+          </a:effectRef>
+          <a:fontRef idx="minor">
+            <a:schemeClr val="lt1"/>
+          </a:fontRef>
+        </p:style>
+        <p:txBody>
+          <a:bodyPr rtlCol="0" anchor="ctr"/>
+          <a:lstStyle/>
+          <a:p>
+            <a:pPr algn="ctr"/>
+            <a:r>
+              <a:rPr lang="en-US" altLang="zh-CN" b="1" dirty="0">
+                <a:latin typeface="微软雅黑" panose="020B0503020204020204" pitchFamily="34" charset="-122"/>
+                <a:ea typeface="微软雅黑" panose="020B0503020204020204" pitchFamily="34" charset="-122"/>
+              </a:rPr>
+              <a:t>Tab</a:t>
+            </a:r>
+            <a:endParaRPr lang="zh-CN" altLang="en-US" b="1" dirty="0">
+              <a:latin typeface="微软雅黑" panose="020B0503020204020204" pitchFamily="34" charset="-122"/>
+              <a:ea typeface="微软雅黑" panose="020B0503020204020204" pitchFamily="34" charset="-122"/>
+            </a:endParaRPr>
+          </a:p>
+        </p:txBody>
+      </p:sp>
     </p:spTree>
     <p:extLst>
       <p:ext uri="{BB962C8B-B14F-4D97-AF65-F5344CB8AC3E}">
         <p14:creationId xmlns:p14="http://schemas.microsoft.com/office/powerpoint/2010/main" val="670237577"/>
+      </p:ext>
+    </p:extLst>
+  </p:cSld>
+  <p:clrMapOvr>
+    <a:masterClrMapping/>
+  </p:clrMapOvr>
+</p:sld>
+</file>
+
+<file path=ppt/slides/slide2.xml><?xml version="1.0" encoding="utf-8"?>
+<p:sld xmlns:a="http://schemas.openxmlformats.org/drawingml/2006/main" xmlns:r="http://schemas.openxmlformats.org/officeDocument/2006/relationships" xmlns:p="http://schemas.openxmlformats.org/presentationml/2006/main">
+  <p:cSld>
+    <p:spTree>
+      <p:nvGrpSpPr>
+        <p:cNvPr id="1" name=""/>
+        <p:cNvGrpSpPr/>
+        <p:nvPr/>
+      </p:nvGrpSpPr>
+      <p:grpSpPr>
+        <a:xfrm>
+          <a:off x="0" y="0"/>
+          <a:ext cx="0" cy="0"/>
+          <a:chOff x="0" y="0"/>
+          <a:chExt cx="0" cy="0"/>
+        </a:xfrm>
+      </p:grpSpPr>
+    </p:spTree>
+    <p:extLst>
+      <p:ext uri="{BB962C8B-B14F-4D97-AF65-F5344CB8AC3E}">
+        <p14:creationId xmlns:p14="http://schemas.microsoft.com/office/powerpoint/2010/main" val="3477451774"/>
       </p:ext>
     </p:extLst>
   </p:cSld>
